--- a/PPTs/初一课件/0致同学们公众号.pptx
+++ b/PPTs/初一课件/0致同学们公众号.pptx
@@ -119,7 +119,7 @@
       </a:defRPr>
     </a:lvl9pPr>
   </p:defaultTextStyle>
-  <p:modifyVerifier cryptProviderType="rsaAES" cryptAlgorithmClass="hash" cryptAlgorithmType="typeAny" cryptAlgorithmSid="14" spinCount="100000" saltData="snS4k2dLEAX59hriufnTwQ==" hashData="7qnlXYJeVRhfh8y8asnhpSeWD/0rwVIMWHdoNDYQTcHcOJoNN5NnuK/nNUWiQgIJxgGnVxBcAX+V1BBoiJc+AQ=="/>
+  <p:modifyVerifier cryptProviderType="rsaAES" cryptAlgorithmClass="hash" cryptAlgorithmType="typeAny" cryptAlgorithmSid="14" spinCount="100000" saltData="HpmlQtfPwjhKIAupu4qTTQ==" hashData="dOWwKFGUNIYZKTg9NmGBBA0jvOGbFqiBlXZs1VNXxepf2LUMknrXHLhPRLB4ZxhsG/zvnD1BPwzNCGYoTOPmRw=="/>
   <p:extLst>
     <p:ext uri="{EFAFB233-063F-42B5-8137-9DF3F51BA10A}">
       <p15:sldGuideLst xmlns:p15="http://schemas.microsoft.com/office/powerpoint/2012/main"/>
@@ -210,7 +210,7 @@
           <a:p>
             <a:fld id="{5014447D-9D07-48CD-B502-9771B36BAE70}" type="datetimeFigureOut">
               <a:rPr lang="zh-CN" altLang="en-US" smtClean="0"/>
-              <a:t>2017/9/26</a:t>
+              <a:t>2017/9/26 Tuesday</a:t>
             </a:fld>
             <a:endParaRPr lang="zh-CN" altLang="en-US"/>
           </a:p>
@@ -2348,7 +2348,7 @@
           <a:p>
             <a:fld id="{776DED5F-A606-4ECD-9E08-011BC78F9D92}" type="datetimeFigureOut">
               <a:rPr lang="zh-CN" altLang="en-US" smtClean="0"/>
-              <a:t>2017/9/26</a:t>
+              <a:t>2017/9/26 Tuesday</a:t>
             </a:fld>
             <a:endParaRPr lang="zh-CN" altLang="en-US"/>
           </a:p>
@@ -2518,7 +2518,7 @@
           <a:p>
             <a:fld id="{776DED5F-A606-4ECD-9E08-011BC78F9D92}" type="datetimeFigureOut">
               <a:rPr lang="zh-CN" altLang="en-US" smtClean="0"/>
-              <a:t>2017/9/26</a:t>
+              <a:t>2017/9/26 Tuesday</a:t>
             </a:fld>
             <a:endParaRPr lang="zh-CN" altLang="en-US"/>
           </a:p>
@@ -2698,7 +2698,7 @@
           <a:p>
             <a:fld id="{776DED5F-A606-4ECD-9E08-011BC78F9D92}" type="datetimeFigureOut">
               <a:rPr lang="zh-CN" altLang="en-US" smtClean="0"/>
-              <a:t>2017/9/26</a:t>
+              <a:t>2017/9/26 Tuesday</a:t>
             </a:fld>
             <a:endParaRPr lang="zh-CN" altLang="en-US"/>
           </a:p>
@@ -2868,7 +2868,7 @@
           <a:p>
             <a:fld id="{776DED5F-A606-4ECD-9E08-011BC78F9D92}" type="datetimeFigureOut">
               <a:rPr lang="zh-CN" altLang="en-US" smtClean="0"/>
-              <a:t>2017/9/26</a:t>
+              <a:t>2017/9/26 Tuesday</a:t>
             </a:fld>
             <a:endParaRPr lang="zh-CN" altLang="en-US"/>
           </a:p>
@@ -3112,7 +3112,7 @@
           <a:p>
             <a:fld id="{776DED5F-A606-4ECD-9E08-011BC78F9D92}" type="datetimeFigureOut">
               <a:rPr lang="zh-CN" altLang="en-US" smtClean="0"/>
-              <a:t>2017/9/26</a:t>
+              <a:t>2017/9/26 Tuesday</a:t>
             </a:fld>
             <a:endParaRPr lang="zh-CN" altLang="en-US"/>
           </a:p>
@@ -3351,7 +3351,7 @@
           <a:p>
             <a:fld id="{776DED5F-A606-4ECD-9E08-011BC78F9D92}" type="datetimeFigureOut">
               <a:rPr lang="zh-CN" altLang="en-US" smtClean="0"/>
-              <a:t>2017/9/26</a:t>
+              <a:t>2017/9/26 Tuesday</a:t>
             </a:fld>
             <a:endParaRPr lang="zh-CN" altLang="en-US"/>
           </a:p>
@@ -3725,7 +3725,7 @@
           <a:p>
             <a:fld id="{776DED5F-A606-4ECD-9E08-011BC78F9D92}" type="datetimeFigureOut">
               <a:rPr lang="zh-CN" altLang="en-US" smtClean="0"/>
-              <a:t>2017/9/26</a:t>
+              <a:t>2017/9/26 Tuesday</a:t>
             </a:fld>
             <a:endParaRPr lang="zh-CN" altLang="en-US"/>
           </a:p>
@@ -3850,7 +3850,7 @@
           <a:p>
             <a:fld id="{776DED5F-A606-4ECD-9E08-011BC78F9D92}" type="datetimeFigureOut">
               <a:rPr lang="zh-CN" altLang="en-US" smtClean="0"/>
-              <a:t>2017/9/26</a:t>
+              <a:t>2017/9/26 Tuesday</a:t>
             </a:fld>
             <a:endParaRPr lang="zh-CN" altLang="en-US"/>
           </a:p>
@@ -3952,7 +3952,7 @@
           <a:p>
             <a:fld id="{776DED5F-A606-4ECD-9E08-011BC78F9D92}" type="datetimeFigureOut">
               <a:rPr lang="zh-CN" altLang="en-US" smtClean="0"/>
-              <a:t>2017/9/26</a:t>
+              <a:t>2017/9/26 Tuesday</a:t>
             </a:fld>
             <a:endParaRPr lang="zh-CN" altLang="en-US"/>
           </a:p>
@@ -4236,7 +4236,7 @@
           <a:p>
             <a:fld id="{776DED5F-A606-4ECD-9E08-011BC78F9D92}" type="datetimeFigureOut">
               <a:rPr lang="zh-CN" altLang="en-US" smtClean="0"/>
-              <a:t>2017/9/26</a:t>
+              <a:t>2017/9/26 Tuesday</a:t>
             </a:fld>
             <a:endParaRPr lang="zh-CN" altLang="en-US"/>
           </a:p>
@@ -4493,7 +4493,7 @@
           <a:p>
             <a:fld id="{776DED5F-A606-4ECD-9E08-011BC78F9D92}" type="datetimeFigureOut">
               <a:rPr lang="zh-CN" altLang="en-US" smtClean="0"/>
-              <a:t>2017/9/26</a:t>
+              <a:t>2017/9/26 Tuesday</a:t>
             </a:fld>
             <a:endParaRPr lang="zh-CN" altLang="en-US"/>
           </a:p>
@@ -4709,7 +4709,7 @@
           <a:p>
             <a:fld id="{776DED5F-A606-4ECD-9E08-011BC78F9D92}" type="datetimeFigureOut">
               <a:rPr lang="zh-CN" altLang="en-US" smtClean="0"/>
-              <a:t>2017/9/26</a:t>
+              <a:t>2017/9/26 Tuesday</a:t>
             </a:fld>
             <a:endParaRPr lang="zh-CN" altLang="en-US"/>
           </a:p>
@@ -30797,7 +30797,7 @@
           <a:graphicData uri="http://schemas.openxmlformats.org/presentationml/2006/ole">
             <mc:AlternateContent xmlns:mc="http://schemas.openxmlformats.org/markup-compatibility/2006">
               <mc:Choice xmlns:v="urn:schemas-microsoft-com:vml" Requires="v">
-                <p:oleObj spid="_x0000_s2123" name="位图图像" r:id="rId4" imgW="4180952" imgH="1371429" progId="Paint.Picture">
+                <p:oleObj spid="_x0000_s2124" name="位图图像" r:id="rId4" imgW="4180952" imgH="1371429" progId="Paint.Picture">
                   <p:embed/>
                 </p:oleObj>
               </mc:Choice>

--- a/PPTs/初一课件/0致同学们公众号.pptx
+++ b/PPTs/初一课件/0致同学们公众号.pptx
@@ -119,7 +119,7 @@
       </a:defRPr>
     </a:lvl9pPr>
   </p:defaultTextStyle>
-  <p:modifyVerifier cryptProviderType="rsaAES" cryptAlgorithmClass="hash" cryptAlgorithmType="typeAny" cryptAlgorithmSid="14" spinCount="100000" saltData="HpmlQtfPwjhKIAupu4qTTQ==" hashData="dOWwKFGUNIYZKTg9NmGBBA0jvOGbFqiBlXZs1VNXxepf2LUMknrXHLhPRLB4ZxhsG/zvnD1BPwzNCGYoTOPmRw=="/>
+  <p:modifyVerifier cryptProviderType="rsaAES" cryptAlgorithmClass="hash" cryptAlgorithmType="typeAny" cryptAlgorithmSid="14" spinCount="100000" saltData="snS4k2dLEAX59hriufnTwQ==" hashData="7qnlXYJeVRhfh8y8asnhpSeWD/0rwVIMWHdoNDYQTcHcOJoNN5NnuK/nNUWiQgIJxgGnVxBcAX+V1BBoiJc+AQ=="/>
   <p:extLst>
     <p:ext uri="{EFAFB233-063F-42B5-8137-9DF3F51BA10A}">
       <p15:sldGuideLst xmlns:p15="http://schemas.microsoft.com/office/powerpoint/2012/main"/>
@@ -210,7 +210,7 @@
           <a:p>
             <a:fld id="{5014447D-9D07-48CD-B502-9771B36BAE70}" type="datetimeFigureOut">
               <a:rPr lang="zh-CN" altLang="en-US" smtClean="0"/>
-              <a:t>2017/9/26 Tuesday</a:t>
+              <a:t>2017/9/26</a:t>
             </a:fld>
             <a:endParaRPr lang="zh-CN" altLang="en-US"/>
           </a:p>
@@ -2348,7 +2348,7 @@
           <a:p>
             <a:fld id="{776DED5F-A606-4ECD-9E08-011BC78F9D92}" type="datetimeFigureOut">
               <a:rPr lang="zh-CN" altLang="en-US" smtClean="0"/>
-              <a:t>2017/9/26 Tuesday</a:t>
+              <a:t>2017/9/26</a:t>
             </a:fld>
             <a:endParaRPr lang="zh-CN" altLang="en-US"/>
           </a:p>
@@ -2518,7 +2518,7 @@
           <a:p>
             <a:fld id="{776DED5F-A606-4ECD-9E08-011BC78F9D92}" type="datetimeFigureOut">
               <a:rPr lang="zh-CN" altLang="en-US" smtClean="0"/>
-              <a:t>2017/9/26 Tuesday</a:t>
+              <a:t>2017/9/26</a:t>
             </a:fld>
             <a:endParaRPr lang="zh-CN" altLang="en-US"/>
           </a:p>
@@ -2698,7 +2698,7 @@
           <a:p>
             <a:fld id="{776DED5F-A606-4ECD-9E08-011BC78F9D92}" type="datetimeFigureOut">
               <a:rPr lang="zh-CN" altLang="en-US" smtClean="0"/>
-              <a:t>2017/9/26 Tuesday</a:t>
+              <a:t>2017/9/26</a:t>
             </a:fld>
             <a:endParaRPr lang="zh-CN" altLang="en-US"/>
           </a:p>
@@ -2868,7 +2868,7 @@
           <a:p>
             <a:fld id="{776DED5F-A606-4ECD-9E08-011BC78F9D92}" type="datetimeFigureOut">
               <a:rPr lang="zh-CN" altLang="en-US" smtClean="0"/>
-              <a:t>2017/9/26 Tuesday</a:t>
+              <a:t>2017/9/26</a:t>
             </a:fld>
             <a:endParaRPr lang="zh-CN" altLang="en-US"/>
           </a:p>
@@ -3112,7 +3112,7 @@
           <a:p>
             <a:fld id="{776DED5F-A606-4ECD-9E08-011BC78F9D92}" type="datetimeFigureOut">
               <a:rPr lang="zh-CN" altLang="en-US" smtClean="0"/>
-              <a:t>2017/9/26 Tuesday</a:t>
+              <a:t>2017/9/26</a:t>
             </a:fld>
             <a:endParaRPr lang="zh-CN" altLang="en-US"/>
           </a:p>
@@ -3351,7 +3351,7 @@
           <a:p>
             <a:fld id="{776DED5F-A606-4ECD-9E08-011BC78F9D92}" type="datetimeFigureOut">
               <a:rPr lang="zh-CN" altLang="en-US" smtClean="0"/>
-              <a:t>2017/9/26 Tuesday</a:t>
+              <a:t>2017/9/26</a:t>
             </a:fld>
             <a:endParaRPr lang="zh-CN" altLang="en-US"/>
           </a:p>
@@ -3725,7 +3725,7 @@
           <a:p>
             <a:fld id="{776DED5F-A606-4ECD-9E08-011BC78F9D92}" type="datetimeFigureOut">
               <a:rPr lang="zh-CN" altLang="en-US" smtClean="0"/>
-              <a:t>2017/9/26 Tuesday</a:t>
+              <a:t>2017/9/26</a:t>
             </a:fld>
             <a:endParaRPr lang="zh-CN" altLang="en-US"/>
           </a:p>
@@ -3850,7 +3850,7 @@
           <a:p>
             <a:fld id="{776DED5F-A606-4ECD-9E08-011BC78F9D92}" type="datetimeFigureOut">
               <a:rPr lang="zh-CN" altLang="en-US" smtClean="0"/>
-              <a:t>2017/9/26 Tuesday</a:t>
+              <a:t>2017/9/26</a:t>
             </a:fld>
             <a:endParaRPr lang="zh-CN" altLang="en-US"/>
           </a:p>
@@ -3952,7 +3952,7 @@
           <a:p>
             <a:fld id="{776DED5F-A606-4ECD-9E08-011BC78F9D92}" type="datetimeFigureOut">
               <a:rPr lang="zh-CN" altLang="en-US" smtClean="0"/>
-              <a:t>2017/9/26 Tuesday</a:t>
+              <a:t>2017/9/26</a:t>
             </a:fld>
             <a:endParaRPr lang="zh-CN" altLang="en-US"/>
           </a:p>
@@ -4236,7 +4236,7 @@
           <a:p>
             <a:fld id="{776DED5F-A606-4ECD-9E08-011BC78F9D92}" type="datetimeFigureOut">
               <a:rPr lang="zh-CN" altLang="en-US" smtClean="0"/>
-              <a:t>2017/9/26 Tuesday</a:t>
+              <a:t>2017/9/26</a:t>
             </a:fld>
             <a:endParaRPr lang="zh-CN" altLang="en-US"/>
           </a:p>
@@ -4493,7 +4493,7 @@
           <a:p>
             <a:fld id="{776DED5F-A606-4ECD-9E08-011BC78F9D92}" type="datetimeFigureOut">
               <a:rPr lang="zh-CN" altLang="en-US" smtClean="0"/>
-              <a:t>2017/9/26 Tuesday</a:t>
+              <a:t>2017/9/26</a:t>
             </a:fld>
             <a:endParaRPr lang="zh-CN" altLang="en-US"/>
           </a:p>
@@ -4709,7 +4709,7 @@
           <a:p>
             <a:fld id="{776DED5F-A606-4ECD-9E08-011BC78F9D92}" type="datetimeFigureOut">
               <a:rPr lang="zh-CN" altLang="en-US" smtClean="0"/>
-              <a:t>2017/9/26 Tuesday</a:t>
+              <a:t>2017/9/26</a:t>
             </a:fld>
             <a:endParaRPr lang="zh-CN" altLang="en-US"/>
           </a:p>
@@ -30797,7 +30797,7 @@
           <a:graphicData uri="http://schemas.openxmlformats.org/presentationml/2006/ole">
             <mc:AlternateContent xmlns:mc="http://schemas.openxmlformats.org/markup-compatibility/2006">
               <mc:Choice xmlns:v="urn:schemas-microsoft-com:vml" Requires="v">
-                <p:oleObj spid="_x0000_s2124" name="位图图像" r:id="rId4" imgW="4180952" imgH="1371429" progId="Paint.Picture">
+                <p:oleObj spid="_x0000_s2123" name="位图图像" r:id="rId4" imgW="4180952" imgH="1371429" progId="Paint.Picture">
                   <p:embed/>
                 </p:oleObj>
               </mc:Choice>
